--- a/presentation_20191206/Convolutional Neural Networks.pptx
+++ b/presentation_20191206/Convolutional Neural Networks.pptx
@@ -5,10 +5,10 @@
     <p:sldMasterId id="2147483660" r:id="rId4"/>
   </p:sldMasterIdLst>
   <p:notesMasterIdLst>
-    <p:notesMasterId r:id="rId25"/>
+    <p:notesMasterId r:id="rId26"/>
   </p:notesMasterIdLst>
   <p:handoutMasterIdLst>
-    <p:handoutMasterId r:id="rId26"/>
+    <p:handoutMasterId r:id="rId27"/>
   </p:handoutMasterIdLst>
   <p:sldIdLst>
     <p:sldId id="257" r:id="rId5"/>
@@ -30,7 +30,8 @@
     <p:sldId id="274" r:id="rId21"/>
     <p:sldId id="275" r:id="rId22"/>
     <p:sldId id="276" r:id="rId23"/>
-    <p:sldId id="261" r:id="rId24"/>
+    <p:sldId id="280" r:id="rId24"/>
+    <p:sldId id="261" r:id="rId25"/>
   </p:sldIdLst>
   <p:sldSz cx="12188825" cy="6858000"/>
   <p:notesSz cx="6858000" cy="9144000"/>
@@ -244,7 +245,7 @@
           <a:p>
             <a:fld id="{FE5B4EDC-59C0-49C7-8ADA-5A781B329E02}" type="datetimeFigureOut">
               <a:rPr lang="en-US"/>
-              <a:t>12/1/2019</a:t>
+              <a:t>12/6/2019</a:t>
             </a:fld>
             <a:endParaRPr/>
           </a:p>
@@ -409,7 +410,7 @@
           <a:p>
             <a:fld id="{F2D8D46A-B586-417D-BFBD-8C8FE0AAF762}" type="datetimeFigureOut">
               <a:rPr lang="en-US"/>
-              <a:t>12/1/2019</a:t>
+              <a:t>12/6/2019</a:t>
             </a:fld>
             <a:endParaRPr/>
           </a:p>
@@ -1427,7 +1428,7 @@
           <a:p>
             <a:fld id="{F0DFD029-FB74-4578-B929-F66AA97659CA}" type="datetimeFigureOut">
               <a:rPr lang="en-US"/>
-              <a:t>12/1/2019</a:t>
+              <a:t>12/6/2019</a:t>
             </a:fld>
             <a:endParaRPr/>
           </a:p>
@@ -1625,7 +1626,7 @@
           <a:p>
             <a:fld id="{F0DFD029-FB74-4578-B929-F66AA97659CA}" type="datetimeFigureOut">
               <a:rPr lang="en-US"/>
-              <a:t>12/1/2019</a:t>
+              <a:t>12/6/2019</a:t>
             </a:fld>
             <a:endParaRPr/>
           </a:p>
@@ -1833,7 +1834,7 @@
           <a:p>
             <a:fld id="{F0DFD029-FB74-4578-B929-F66AA97659CA}" type="datetimeFigureOut">
               <a:rPr lang="en-US"/>
-              <a:t>12/1/2019</a:t>
+              <a:t>12/6/2019</a:t>
             </a:fld>
             <a:endParaRPr/>
           </a:p>
@@ -2031,7 +2032,7 @@
           <a:p>
             <a:fld id="{F0DFD029-FB74-4578-B929-F66AA97659CA}" type="datetimeFigureOut">
               <a:rPr lang="en-US"/>
-              <a:t>12/1/2019</a:t>
+              <a:t>12/6/2019</a:t>
             </a:fld>
             <a:endParaRPr/>
           </a:p>
@@ -2463,7 +2464,7 @@
           <a:p>
             <a:fld id="{F0DFD029-FB74-4578-B929-F66AA97659CA}" type="datetimeFigureOut">
               <a:rPr lang="en-US"/>
-              <a:t>12/1/2019</a:t>
+              <a:t>12/6/2019</a:t>
             </a:fld>
             <a:endParaRPr/>
           </a:p>
@@ -2767,7 +2768,7 @@
           <a:p>
             <a:fld id="{F0DFD029-FB74-4578-B929-F66AA97659CA}" type="datetimeFigureOut">
               <a:rPr lang="en-US"/>
-              <a:t>12/1/2019</a:t>
+              <a:t>12/6/2019</a:t>
             </a:fld>
             <a:endParaRPr/>
           </a:p>
@@ -3223,7 +3224,7 @@
           <a:p>
             <a:fld id="{F0DFD029-FB74-4578-B929-F66AA97659CA}" type="datetimeFigureOut">
               <a:rPr lang="en-US"/>
-              <a:t>12/1/2019</a:t>
+              <a:t>12/6/2019</a:t>
             </a:fld>
             <a:endParaRPr/>
           </a:p>
@@ -3353,7 +3354,7 @@
           <a:p>
             <a:fld id="{F0DFD029-FB74-4578-B929-F66AA97659CA}" type="datetimeFigureOut">
               <a:rPr lang="en-US"/>
-              <a:t>12/1/2019</a:t>
+              <a:t>12/6/2019</a:t>
             </a:fld>
             <a:endParaRPr/>
           </a:p>
@@ -3460,7 +3461,7 @@
           <a:p>
             <a:fld id="{F0DFD029-FB74-4578-B929-F66AA97659CA}" type="datetimeFigureOut">
               <a:rPr lang="en-US"/>
-              <a:t>12/1/2019</a:t>
+              <a:t>12/6/2019</a:t>
             </a:fld>
             <a:endParaRPr/>
           </a:p>
@@ -3759,7 +3760,7 @@
           <a:p>
             <a:fld id="{F0DFD029-FB74-4578-B929-F66AA97659CA}" type="datetimeFigureOut">
               <a:rPr lang="en-US"/>
-              <a:t>12/1/2019</a:t>
+              <a:t>12/6/2019</a:t>
             </a:fld>
             <a:endParaRPr/>
           </a:p>
@@ -4047,7 +4048,7 @@
           <a:p>
             <a:fld id="{F0DFD029-FB74-4578-B929-F66AA97659CA}" type="datetimeFigureOut">
               <a:rPr lang="en-US"/>
-              <a:t>12/1/2019</a:t>
+              <a:t>12/6/2019</a:t>
             </a:fld>
             <a:endParaRPr/>
           </a:p>
@@ -4670,7 +4671,7 @@
             <a:fld id="{F0DFD029-FB74-4578-B929-F66AA97659CA}" type="datetimeFigureOut">
               <a:rPr lang="en-US"/>
               <a:pPr/>
-              <a:t>12/1/2019</a:t>
+              <a:t>12/6/2019</a:t>
             </a:fld>
             <a:endParaRPr/>
           </a:p>
@@ -5565,7 +5566,7 @@
             <a:pPr lvl="1"/>
             <a:r>
               <a:rPr lang="en-US" dirty="0"/>
-              <a:t>Call </a:t>
+              <a:t>Called </a:t>
             </a:r>
             <a:r>
               <a:rPr lang="en-US" i="1" dirty="0"/>
@@ -5744,8 +5745,8 @@
           </a:p>
         </p:txBody>
       </p:sp>
-      <mc:AlternateContent xmlns:mc="http://schemas.openxmlformats.org/markup-compatibility/2006">
-        <mc:Choice xmlns:a14="http://schemas.microsoft.com/office/drawing/2010/main" Requires="a14">
+      <mc:AlternateContent xmlns:mc="http://schemas.openxmlformats.org/markup-compatibility/2006" xmlns:a14="http://schemas.microsoft.com/office/drawing/2010/main">
+        <mc:Choice Requires="a14">
           <p:sp>
             <p:nvSpPr>
               <p:cNvPr id="3" name="Content Placeholder 2">
@@ -5826,13 +5827,7 @@
                             <a:rPr lang="en-US" b="0" i="1" smtClean="0">
                               <a:latin typeface="Cambria Math" panose="02040503050406030204" pitchFamily="18" charset="0"/>
                             </a:rPr>
-                            <m:t>+</m:t>
-                          </m:r>
-                          <m:r>
-                            <a:rPr lang="en-US" b="0" i="1" smtClean="0">
-                              <a:latin typeface="Cambria Math" panose="02040503050406030204" pitchFamily="18" charset="0"/>
-                            </a:rPr>
-                            <m:t>1</m:t>
+                            <m:t>+1</m:t>
                           </m:r>
                         </m:sub>
                       </m:sSub>
@@ -5927,6 +5922,156 @@
                       <m:jc m:val="centerGroup"/>
                     </m:oMathParaPr>
                     <m:oMath xmlns:m="http://schemas.openxmlformats.org/officeDocument/2006/math">
+                      <m:d>
+                        <m:dPr>
+                          <m:begChr m:val="["/>
+                          <m:endChr m:val="]"/>
+                          <m:ctrlPr>
+                            <a:rPr lang="en-US" i="1">
+                              <a:latin typeface="Cambria Math" panose="02040503050406030204" pitchFamily="18" charset="0"/>
+                            </a:rPr>
+                          </m:ctrlPr>
+                        </m:dPr>
+                        <m:e>
+                          <m:m>
+                            <m:mPr>
+                              <m:mcs>
+                                <m:mc>
+                                  <m:mcPr>
+                                    <m:count m:val="1"/>
+                                    <m:mcJc m:val="center"/>
+                                  </m:mcPr>
+                                </m:mc>
+                              </m:mcs>
+                              <m:ctrlPr>
+                                <a:rPr lang="en-US" i="1">
+                                  <a:latin typeface="Cambria Math" panose="02040503050406030204" pitchFamily="18" charset="0"/>
+                                </a:rPr>
+                              </m:ctrlPr>
+                            </m:mPr>
+                            <m:mr>
+                              <m:e>
+                                <m:sSubSup>
+                                  <m:sSubSupPr>
+                                    <m:ctrlPr>
+                                      <a:rPr lang="en-US" i="1">
+                                        <a:latin typeface="Cambria Math" panose="02040503050406030204" pitchFamily="18" charset="0"/>
+                                      </a:rPr>
+                                    </m:ctrlPr>
+                                  </m:sSubSupPr>
+                                  <m:e>
+                                    <m:r>
+                                      <a:rPr lang="en-US" i="1">
+                                        <a:latin typeface="Cambria Math" panose="02040503050406030204" pitchFamily="18" charset="0"/>
+                                      </a:rPr>
+                                      <m:t>𝑥</m:t>
+                                    </m:r>
+                                  </m:e>
+                                  <m:sub>
+                                    <m:r>
+                                      <m:rPr>
+                                        <m:brk m:alnAt="7"/>
+                                      </m:rPr>
+                                      <a:rPr lang="en-US" i="1">
+                                        <a:latin typeface="Cambria Math" panose="02040503050406030204" pitchFamily="18" charset="0"/>
+                                      </a:rPr>
+                                      <m:t>0</m:t>
+                                    </m:r>
+                                  </m:sub>
+                                  <m:sup>
+                                    <m:r>
+                                      <m:rPr>
+                                        <m:brk m:alnAt="7"/>
+                                      </m:rPr>
+                                      <a:rPr lang="en-US" i="1">
+                                        <a:latin typeface="Cambria Math" panose="02040503050406030204" pitchFamily="18" charset="0"/>
+                                      </a:rPr>
+                                      <m:t>𝑁</m:t>
+                                    </m:r>
+                                    <m:r>
+                                      <a:rPr lang="en-US" i="1">
+                                        <a:latin typeface="Cambria Math" panose="02040503050406030204" pitchFamily="18" charset="0"/>
+                                      </a:rPr>
+                                      <m:t>+</m:t>
+                                    </m:r>
+                                    <m:r>
+                                      <m:rPr>
+                                        <m:brk m:alnAt="7"/>
+                                      </m:rPr>
+                                      <a:rPr lang="en-US" i="1">
+                                        <a:latin typeface="Cambria Math" panose="02040503050406030204" pitchFamily="18" charset="0"/>
+                                      </a:rPr>
+                                      <m:t>1</m:t>
+                                    </m:r>
+                                  </m:sup>
+                                </m:sSubSup>
+                              </m:e>
+                            </m:mr>
+                            <m:mr>
+                              <m:e>
+                                <m:r>
+                                  <a:rPr lang="en-US" i="1">
+                                    <a:latin typeface="Cambria Math" panose="02040503050406030204" pitchFamily="18" charset="0"/>
+                                  </a:rPr>
+                                  <m:t>⋮</m:t>
+                                </m:r>
+                              </m:e>
+                            </m:mr>
+                            <m:mr>
+                              <m:e>
+                                <m:sSubSup>
+                                  <m:sSubSupPr>
+                                    <m:ctrlPr>
+                                      <a:rPr lang="en-US" i="1">
+                                        <a:latin typeface="Cambria Math" panose="02040503050406030204" pitchFamily="18" charset="0"/>
+                                      </a:rPr>
+                                    </m:ctrlPr>
+                                  </m:sSubSupPr>
+                                  <m:e>
+                                    <m:r>
+                                      <a:rPr lang="en-US" i="1">
+                                        <a:latin typeface="Cambria Math" panose="02040503050406030204" pitchFamily="18" charset="0"/>
+                                      </a:rPr>
+                                      <m:t>𝑥</m:t>
+                                    </m:r>
+                                  </m:e>
+                                  <m:sub>
+                                    <m:r>
+                                      <a:rPr lang="en-US" i="1">
+                                        <a:latin typeface="Cambria Math" panose="02040503050406030204" pitchFamily="18" charset="0"/>
+                                      </a:rPr>
+                                      <m:t>𝑚</m:t>
+                                    </m:r>
+                                  </m:sub>
+                                  <m:sup>
+                                    <m:r>
+                                      <m:rPr>
+                                        <m:brk m:alnAt="7"/>
+                                      </m:rPr>
+                                      <a:rPr lang="en-US" i="1">
+                                        <a:latin typeface="Cambria Math" panose="02040503050406030204" pitchFamily="18" charset="0"/>
+                                      </a:rPr>
+                                      <m:t>𝑁</m:t>
+                                    </m:r>
+                                    <m:r>
+                                      <a:rPr lang="en-US" i="1">
+                                        <a:latin typeface="Cambria Math" panose="02040503050406030204" pitchFamily="18" charset="0"/>
+                                      </a:rPr>
+                                      <m:t>+1</m:t>
+                                    </m:r>
+                                  </m:sup>
+                                </m:sSubSup>
+                              </m:e>
+                            </m:mr>
+                          </m:m>
+                        </m:e>
+                      </m:d>
+                      <m:r>
+                        <a:rPr lang="en-US" b="0" i="1" smtClean="0">
+                          <a:latin typeface="Cambria Math" panose="02040503050406030204" pitchFamily="18" charset="0"/>
+                        </a:rPr>
+                        <m:t>=</m:t>
+                      </m:r>
                       <m:d>
                         <m:dPr>
                           <m:begChr m:val="["/>
@@ -6440,162 +6585,6 @@
                           </m:m>
                         </m:e>
                       </m:d>
-                      <m:r>
-                        <a:rPr lang="en-US" b="0" i="1" smtClean="0">
-                          <a:latin typeface="Cambria Math" panose="02040503050406030204" pitchFamily="18" charset="0"/>
-                        </a:rPr>
-                        <m:t>=</m:t>
-                      </m:r>
-                      <m:d>
-                        <m:dPr>
-                          <m:begChr m:val="["/>
-                          <m:endChr m:val="]"/>
-                          <m:ctrlPr>
-                            <a:rPr lang="en-US" b="0" i="1" smtClean="0">
-                              <a:latin typeface="Cambria Math" panose="02040503050406030204" pitchFamily="18" charset="0"/>
-                            </a:rPr>
-                          </m:ctrlPr>
-                        </m:dPr>
-                        <m:e>
-                          <m:m>
-                            <m:mPr>
-                              <m:mcs>
-                                <m:mc>
-                                  <m:mcPr>
-                                    <m:count m:val="1"/>
-                                    <m:mcJc m:val="center"/>
-                                  </m:mcPr>
-                                </m:mc>
-                              </m:mcs>
-                              <m:ctrlPr>
-                                <a:rPr lang="en-US" b="0" i="1" smtClean="0">
-                                  <a:latin typeface="Cambria Math" panose="02040503050406030204" pitchFamily="18" charset="0"/>
-                                </a:rPr>
-                              </m:ctrlPr>
-                            </m:mPr>
-                            <m:mr>
-                              <m:e>
-                                <m:sSubSup>
-                                  <m:sSubSupPr>
-                                    <m:ctrlPr>
-                                      <a:rPr lang="en-US" b="0" i="1" smtClean="0">
-                                        <a:latin typeface="Cambria Math" panose="02040503050406030204" pitchFamily="18" charset="0"/>
-                                      </a:rPr>
-                                    </m:ctrlPr>
-                                  </m:sSubSupPr>
-                                  <m:e>
-                                    <m:r>
-                                      <a:rPr lang="en-US" b="0" i="1" smtClean="0">
-                                        <a:latin typeface="Cambria Math" panose="02040503050406030204" pitchFamily="18" charset="0"/>
-                                      </a:rPr>
-                                      <m:t>𝑥</m:t>
-                                    </m:r>
-                                  </m:e>
-                                  <m:sub>
-                                    <m:r>
-                                      <m:rPr>
-                                        <m:brk m:alnAt="7"/>
-                                      </m:rPr>
-                                      <a:rPr lang="en-US" b="0" i="1" smtClean="0">
-                                        <a:latin typeface="Cambria Math" panose="02040503050406030204" pitchFamily="18" charset="0"/>
-                                      </a:rPr>
-                                      <m:t>0</m:t>
-                                    </m:r>
-                                  </m:sub>
-                                  <m:sup>
-                                    <m:r>
-                                      <m:rPr>
-                                        <m:brk m:alnAt="7"/>
-                                      </m:rPr>
-                                      <a:rPr lang="en-US" b="0" i="1" smtClean="0">
-                                        <a:latin typeface="Cambria Math" panose="02040503050406030204" pitchFamily="18" charset="0"/>
-                                      </a:rPr>
-                                      <m:t>𝑁</m:t>
-                                    </m:r>
-                                    <m:r>
-                                      <a:rPr lang="en-US" b="0" i="1" smtClean="0">
-                                        <a:latin typeface="Cambria Math" panose="02040503050406030204" pitchFamily="18" charset="0"/>
-                                      </a:rPr>
-                                      <m:t>+</m:t>
-                                    </m:r>
-                                    <m:r>
-                                      <m:rPr>
-                                        <m:brk m:alnAt="7"/>
-                                      </m:rPr>
-                                      <a:rPr lang="en-US" b="0" i="1" smtClean="0">
-                                        <a:latin typeface="Cambria Math" panose="02040503050406030204" pitchFamily="18" charset="0"/>
-                                      </a:rPr>
-                                      <m:t>1</m:t>
-                                    </m:r>
-                                  </m:sup>
-                                </m:sSubSup>
-                              </m:e>
-                            </m:mr>
-                            <m:mr>
-                              <m:e>
-                                <m:r>
-                                  <a:rPr lang="en-US" i="1">
-                                    <a:latin typeface="Cambria Math" panose="02040503050406030204" pitchFamily="18" charset="0"/>
-                                  </a:rPr>
-                                  <m:t>⋮</m:t>
-                                </m:r>
-                              </m:e>
-                            </m:mr>
-                            <m:mr>
-                              <m:e>
-                                <m:sSubSup>
-                                  <m:sSubSupPr>
-                                    <m:ctrlPr>
-                                      <a:rPr lang="en-US" i="1">
-                                        <a:latin typeface="Cambria Math" panose="02040503050406030204" pitchFamily="18" charset="0"/>
-                                      </a:rPr>
-                                    </m:ctrlPr>
-                                  </m:sSubSupPr>
-                                  <m:e>
-                                    <m:r>
-                                      <a:rPr lang="en-US" b="0" i="1" smtClean="0">
-                                        <a:latin typeface="Cambria Math" panose="02040503050406030204" pitchFamily="18" charset="0"/>
-                                      </a:rPr>
-                                      <m:t>𝑥</m:t>
-                                    </m:r>
-                                  </m:e>
-                                  <m:sub>
-                                    <m:r>
-                                      <a:rPr lang="en-US" b="0" i="1" smtClean="0">
-                                        <a:latin typeface="Cambria Math" panose="02040503050406030204" pitchFamily="18" charset="0"/>
-                                      </a:rPr>
-                                      <m:t>𝑚</m:t>
-                                    </m:r>
-                                  </m:sub>
-                                  <m:sup>
-                                    <m:r>
-                                      <m:rPr>
-                                        <m:brk m:alnAt="7"/>
-                                      </m:rPr>
-                                      <a:rPr lang="en-US" i="1">
-                                        <a:latin typeface="Cambria Math" panose="02040503050406030204" pitchFamily="18" charset="0"/>
-                                      </a:rPr>
-                                      <m:t>𝑁</m:t>
-                                    </m:r>
-                                    <m:r>
-                                      <a:rPr lang="en-US" i="1">
-                                        <a:latin typeface="Cambria Math" panose="02040503050406030204" pitchFamily="18" charset="0"/>
-                                      </a:rPr>
-                                      <m:t>+</m:t>
-                                    </m:r>
-                                    <m:r>
-                                      <a:rPr lang="en-US" i="1">
-                                        <a:latin typeface="Cambria Math" panose="02040503050406030204" pitchFamily="18" charset="0"/>
-                                      </a:rPr>
-                                      <m:t>1</m:t>
-                                    </m:r>
-                                  </m:sup>
-                                </m:sSubSup>
-                              </m:e>
-                            </m:mr>
-                          </m:m>
-                        </m:e>
-                      </m:d>
                     </m:oMath>
                   </m:oMathPara>
                 </a14:m>
@@ -6604,7 +6593,7 @@
             </p:txBody>
           </p:sp>
         </mc:Choice>
-        <mc:Fallback>
+        <mc:Fallback xmlns="">
           <p:sp>
             <p:nvSpPr>
               <p:cNvPr id="3" name="Content Placeholder 2">
@@ -6623,7 +6612,7 @@
             </p:nvSpPr>
             <p:spPr>
               <a:blipFill>
-                <a:blip r:embed="rId2"/>
+                <a:blip r:embed="rId3"/>
                 <a:stretch>
                   <a:fillRect l="-1561" t="-2729"/>
                 </a:stretch>
@@ -7766,8 +7755,8 @@
           </a:p>
         </p:txBody>
       </p:sp>
-      <mc:AlternateContent xmlns:mc="http://schemas.openxmlformats.org/markup-compatibility/2006">
-        <mc:Choice xmlns:a14="http://schemas.microsoft.com/office/drawing/2010/main" Requires="a14">
+      <mc:AlternateContent xmlns:mc="http://schemas.openxmlformats.org/markup-compatibility/2006" xmlns:a14="http://schemas.microsoft.com/office/drawing/2010/main">
+        <mc:Choice Requires="a14">
           <p:sp>
             <p:nvSpPr>
               <p:cNvPr id="3" name="Content Placeholder 2">
@@ -7950,7 +7939,7 @@
             </p:txBody>
           </p:sp>
         </mc:Choice>
-        <mc:Fallback>
+        <mc:Fallback xmlns="">
           <p:sp>
             <p:nvSpPr>
               <p:cNvPr id="3" name="Content Placeholder 2">
@@ -8100,8 +8089,8 @@
           </a:p>
         </p:txBody>
       </p:sp>
-      <mc:AlternateContent xmlns:mc="http://schemas.openxmlformats.org/markup-compatibility/2006">
-        <mc:Choice xmlns:a14="http://schemas.microsoft.com/office/drawing/2010/main" Requires="a14">
+      <mc:AlternateContent xmlns:mc="http://schemas.openxmlformats.org/markup-compatibility/2006" xmlns:a14="http://schemas.microsoft.com/office/drawing/2010/main">
+        <mc:Choice Requires="a14">
           <p:sp>
             <p:nvSpPr>
               <p:cNvPr id="3" name="Content Placeholder 2">
@@ -8273,7 +8262,6 @@
                 <a:endParaRPr lang="en-US" dirty="0"/>
               </a:p>
               <a:p>
-                <a:pPr/>
                 <a:r>
                   <a:rPr lang="en-US" dirty="0"/>
                   <a:t>F1 Score – Harmonic Mean of Precision &amp; Recall</a:t>
@@ -8376,7 +8364,7 @@
             </p:txBody>
           </p:sp>
         </mc:Choice>
-        <mc:Fallback>
+        <mc:Fallback xmlns="">
           <p:sp>
             <p:nvSpPr>
               <p:cNvPr id="3" name="Content Placeholder 2">
@@ -8561,6 +8549,189 @@
           <p:cNvPr id="2" name="Title 1">
             <a:extLst>
               <a:ext uri="{FF2B5EF4-FFF2-40B4-BE49-F238E27FC236}">
+                <a16:creationId xmlns:a16="http://schemas.microsoft.com/office/drawing/2014/main" id="{81F21547-818C-44EF-8EF7-7429F3DD877E}"/>
+              </a:ext>
+            </a:extLst>
+          </p:cNvPr>
+          <p:cNvSpPr>
+            <a:spLocks noGrp="1"/>
+          </p:cNvSpPr>
+          <p:nvPr>
+            <p:ph type="title"/>
+          </p:nvPr>
+        </p:nvSpPr>
+        <p:spPr/>
+        <p:txBody>
+          <a:bodyPr/>
+          <a:lstStyle/>
+          <a:p>
+            <a:r>
+              <a:rPr lang="en-US" dirty="0">
+                <a:solidFill>
+                  <a:schemeClr val="accent1"/>
+                </a:solidFill>
+              </a:rPr>
+              <a:t>NOTES ON STOCHASTIC GRADIENT DESCENT</a:t>
+            </a:r>
+          </a:p>
+        </p:txBody>
+      </p:sp>
+      <p:sp>
+        <p:nvSpPr>
+          <p:cNvPr id="3" name="Content Placeholder 2">
+            <a:extLst>
+              <a:ext uri="{FF2B5EF4-FFF2-40B4-BE49-F238E27FC236}">
+                <a16:creationId xmlns:a16="http://schemas.microsoft.com/office/drawing/2014/main" id="{32E27909-5CD0-4CD0-9702-5719AF90D4A7}"/>
+              </a:ext>
+            </a:extLst>
+          </p:cNvPr>
+          <p:cNvSpPr>
+            <a:spLocks noGrp="1"/>
+          </p:cNvSpPr>
+          <p:nvPr>
+            <p:ph sz="half" idx="1"/>
+          </p:nvPr>
+        </p:nvSpPr>
+        <p:spPr/>
+        <p:txBody>
+          <a:bodyPr>
+            <a:normAutofit/>
+          </a:bodyPr>
+          <a:lstStyle/>
+          <a:p>
+            <a:r>
+              <a:rPr lang="en-US" dirty="0"/>
+              <a:t>Mathematical procedure to find local minima of a function</a:t>
+            </a:r>
+          </a:p>
+          <a:p>
+            <a:pPr marL="0" indent="0">
+              <a:buNone/>
+            </a:pPr>
+            <a:endParaRPr lang="en-US" dirty="0"/>
+          </a:p>
+          <a:p>
+            <a:r>
+              <a:rPr lang="en-US" dirty="0"/>
+              <a:t>Continually iterate until a local minimum is found</a:t>
+            </a:r>
+          </a:p>
+          <a:p>
+            <a:pPr lvl="1"/>
+            <a:r>
+              <a:rPr lang="en-US" dirty="0"/>
+              <a:t>Modify parameters based properties of iteration</a:t>
+            </a:r>
+          </a:p>
+          <a:p>
+            <a:endParaRPr lang="en-US" dirty="0"/>
+          </a:p>
+          <a:p>
+            <a:endParaRPr lang="en-US" dirty="0"/>
+          </a:p>
+          <a:p>
+            <a:endParaRPr lang="en-US" dirty="0"/>
+          </a:p>
+          <a:p>
+            <a:endParaRPr lang="en-US" dirty="0"/>
+          </a:p>
+          <a:p>
+            <a:endParaRPr lang="en-US" dirty="0"/>
+          </a:p>
+          <a:p>
+            <a:endParaRPr lang="en-US" dirty="0"/>
+          </a:p>
+        </p:txBody>
+      </p:sp>
+      <p:sp>
+        <p:nvSpPr>
+          <p:cNvPr id="4" name="Content Placeholder 3">
+            <a:extLst>
+              <a:ext uri="{FF2B5EF4-FFF2-40B4-BE49-F238E27FC236}">
+                <a16:creationId xmlns:a16="http://schemas.microsoft.com/office/drawing/2014/main" id="{9694B41F-D8C2-4CD9-B530-7D891E15FBA6}"/>
+              </a:ext>
+            </a:extLst>
+          </p:cNvPr>
+          <p:cNvSpPr>
+            <a:spLocks noGrp="1"/>
+          </p:cNvSpPr>
+          <p:nvPr>
+            <p:ph sz="half" idx="2"/>
+          </p:nvPr>
+        </p:nvSpPr>
+        <p:spPr/>
+        <p:txBody>
+          <a:bodyPr>
+            <a:normAutofit/>
+          </a:bodyPr>
+          <a:lstStyle/>
+          <a:p>
+            <a:r>
+              <a:rPr lang="en-US" dirty="0"/>
+              <a:t>“Stochastic” implies randomness</a:t>
+            </a:r>
+          </a:p>
+          <a:p>
+            <a:endParaRPr lang="en-US" dirty="0"/>
+          </a:p>
+          <a:p>
+            <a:r>
+              <a:rPr lang="en-US" dirty="0"/>
+              <a:t>Works like a form of linear- regression</a:t>
+            </a:r>
+          </a:p>
+          <a:p>
+            <a:endParaRPr lang="en-US" dirty="0"/>
+          </a:p>
+        </p:txBody>
+      </p:sp>
+    </p:spTree>
+    <p:extLst>
+      <p:ext uri="{BB962C8B-B14F-4D97-AF65-F5344CB8AC3E}">
+        <p14:creationId xmlns:p14="http://schemas.microsoft.com/office/powerpoint/2010/main" val="3047457179"/>
+      </p:ext>
+    </p:extLst>
+  </p:cSld>
+  <p:clrMapOvr>
+    <a:masterClrMapping/>
+  </p:clrMapOvr>
+  <mc:AlternateContent xmlns:mc="http://schemas.openxmlformats.org/markup-compatibility/2006" xmlns:p14="http://schemas.microsoft.com/office/powerpoint/2010/main">
+    <mc:Choice Requires="p14">
+      <p:transition spd="med" p14:dur="700">
+        <p:fade/>
+      </p:transition>
+    </mc:Choice>
+    <mc:Fallback xmlns="">
+      <p:transition spd="med">
+        <p:fade/>
+      </p:transition>
+    </mc:Fallback>
+  </mc:AlternateContent>
+</p:sld>
+</file>
+
+<file path=ppt/slides/slide21.xml><?xml version="1.0" encoding="utf-8"?>
+<p:sld xmlns:a="http://schemas.openxmlformats.org/drawingml/2006/main" xmlns:r="http://schemas.openxmlformats.org/officeDocument/2006/relationships" xmlns:p="http://schemas.openxmlformats.org/presentationml/2006/main">
+  <p:cSld>
+    <p:spTree>
+      <p:nvGrpSpPr>
+        <p:cNvPr id="1" name=""/>
+        <p:cNvGrpSpPr/>
+        <p:nvPr/>
+      </p:nvGrpSpPr>
+      <p:grpSpPr>
+        <a:xfrm>
+          <a:off x="0" y="0"/>
+          <a:ext cx="0" cy="0"/>
+          <a:chOff x="0" y="0"/>
+          <a:chExt cx="0" cy="0"/>
+        </a:xfrm>
+      </p:grpSpPr>
+      <p:sp>
+        <p:nvSpPr>
+          <p:cNvPr id="2" name="Title 1">
+            <a:extLst>
+              <a:ext uri="{FF2B5EF4-FFF2-40B4-BE49-F238E27FC236}">
                 <a16:creationId xmlns:a16="http://schemas.microsoft.com/office/drawing/2014/main" id="{5A5CD717-BD66-4958-AAA7-5FC303B58D86}"/>
               </a:ext>
             </a:extLst>
@@ -8770,7 +8941,7 @@
           <a:p>
             <a:r>
               <a:rPr lang="en-US" dirty="0"/>
-              <a:t>Neural Networks are largest inspired from the brain (Sanderson)</a:t>
+              <a:t>Neural Networks are largely inspired from the brain (Sanderson)</a:t>
             </a:r>
           </a:p>
           <a:p>
@@ -8852,54 +9023,6 @@
           </a:xfrm>
         </p:spPr>
       </p:pic>
-      <p:sp>
-        <p:nvSpPr>
-          <p:cNvPr id="7" name="TextBox 6">
-            <a:extLst>
-              <a:ext uri="{FF2B5EF4-FFF2-40B4-BE49-F238E27FC236}">
-                <a16:creationId xmlns:a16="http://schemas.microsoft.com/office/drawing/2014/main" id="{031A22C3-5391-4441-AC07-68EA249AEA5E}"/>
-              </a:ext>
-            </a:extLst>
-          </p:cNvPr>
-          <p:cNvSpPr txBox="1"/>
-          <p:nvPr/>
-        </p:nvSpPr>
-        <p:spPr>
-          <a:xfrm>
-            <a:off x="6707298" y="6172200"/>
-            <a:ext cx="4665441" cy="230832"/>
-          </a:xfrm>
-          <a:prstGeom prst="rect">
-            <a:avLst/>
-          </a:prstGeom>
-          <a:noFill/>
-        </p:spPr>
-        <p:txBody>
-          <a:bodyPr wrap="square" rtlCol="0">
-            <a:spAutoFit/>
-          </a:bodyPr>
-          <a:lstStyle/>
-          <a:p>
-            <a:r>
-              <a:rPr lang="en-US" sz="900">
-                <a:hlinkClick r:id="rId3" tooltip="http://silvergryphon8.deviantart.com/art/Brain-In-Blue-167071714"/>
-              </a:rPr>
-              <a:t>This Photo</a:t>
-            </a:r>
-            <a:r>
-              <a:rPr lang="en-US" sz="900"/>
-              <a:t> by Unknown Author is licensed under </a:t>
-            </a:r>
-            <a:r>
-              <a:rPr lang="en-US" sz="900">
-                <a:hlinkClick r:id="rId4" tooltip="https://creativecommons.org/licenses/by-sa/3.0/"/>
-              </a:rPr>
-              <a:t>CC BY-SA</a:t>
-            </a:r>
-            <a:endParaRPr lang="en-US" sz="900"/>
-          </a:p>
-        </p:txBody>
-      </p:sp>
     </p:spTree>
     <p:extLst>
       <p:ext uri="{BB962C8B-B14F-4D97-AF65-F5344CB8AC3E}">
@@ -9299,6 +9422,45 @@
           </a:p>
         </p:txBody>
       </p:sp>
+      <p:pic>
+        <p:nvPicPr>
+          <p:cNvPr id="6" name="Picture 5" descr="A picture containing drawing&#10;&#10;Description automatically generated">
+            <a:extLst>
+              <a:ext uri="{FF2B5EF4-FFF2-40B4-BE49-F238E27FC236}">
+                <a16:creationId xmlns:a16="http://schemas.microsoft.com/office/drawing/2014/main" id="{C6E243E5-5D5C-4BAE-B01C-1E9BAE52CB28}"/>
+              </a:ext>
+            </a:extLst>
+          </p:cNvPr>
+          <p:cNvPicPr>
+            <a:picLocks noChangeAspect="1"/>
+          </p:cNvPicPr>
+          <p:nvPr/>
+        </p:nvPicPr>
+        <p:blipFill>
+          <a:blip r:embed="rId2">
+            <a:extLst>
+              <a:ext uri="{28A0092B-C50C-407E-A947-70E740481C1C}">
+                <a14:useLocalDpi xmlns:a14="http://schemas.microsoft.com/office/drawing/2010/main" val="0"/>
+              </a:ext>
+              <a:ext uri="{837473B0-CC2E-450A-ABE3-18F120FF3D39}">
+                <a1611:picAttrSrcUrl xmlns:a1611="http://schemas.microsoft.com/office/drawing/2016/11/main" r:id="rId3"/>
+              </a:ext>
+            </a:extLst>
+          </a:blip>
+          <a:stretch>
+            <a:fillRect/>
+          </a:stretch>
+        </p:blipFill>
+        <p:spPr>
+          <a:xfrm>
+            <a:off x="1217612" y="2118360"/>
+            <a:ext cx="4876800" cy="2621280"/>
+          </a:xfrm>
+          <a:prstGeom prst="rect">
+            <a:avLst/>
+          </a:prstGeom>
+        </p:spPr>
+      </p:pic>
     </p:spTree>
     <p:extLst>
       <p:ext uri="{BB962C8B-B14F-4D97-AF65-F5344CB8AC3E}">
@@ -9683,31 +9845,6 @@
       </p:sp>
       <p:sp>
         <p:nvSpPr>
-          <p:cNvPr id="3" name="Content Placeholder 2">
-            <a:extLst>
-              <a:ext uri="{FF2B5EF4-FFF2-40B4-BE49-F238E27FC236}">
-                <a16:creationId xmlns:a16="http://schemas.microsoft.com/office/drawing/2014/main" id="{8BC90D40-DC0A-4ABA-9728-32395C78FBD2}"/>
-              </a:ext>
-            </a:extLst>
-          </p:cNvPr>
-          <p:cNvSpPr>
-            <a:spLocks noGrp="1"/>
-          </p:cNvSpPr>
-          <p:nvPr>
-            <p:ph sz="half" idx="1"/>
-          </p:nvPr>
-        </p:nvSpPr>
-        <p:spPr/>
-        <p:txBody>
-          <a:bodyPr/>
-          <a:lstStyle/>
-          <a:p>
-            <a:endParaRPr lang="en-US" dirty="0"/>
-          </a:p>
-        </p:txBody>
-      </p:sp>
-      <p:sp>
-        <p:nvSpPr>
           <p:cNvPr id="4" name="Content Placeholder 3">
             <a:extLst>
               <a:ext uri="{FF2B5EF4-FFF2-40B4-BE49-F238E27FC236}">
@@ -9719,13 +9856,16 @@
             <a:spLocks noGrp="1"/>
           </p:cNvSpPr>
           <p:nvPr>
-            <p:ph sz="half" idx="2"/>
+            <p:ph idx="1"/>
           </p:nvPr>
         </p:nvSpPr>
         <p:spPr/>
         <p:txBody>
           <a:bodyPr/>
           <a:lstStyle/>
+          <a:p>
+            <a:endParaRPr lang="en-US" dirty="0"/>
+          </a:p>
           <a:p>
             <a:r>
               <a:rPr lang="en-US" dirty="0"/>
@@ -11033,142 +11173,6 @@
 </file>
 
 <file path=customXml/item1.xml><?xml version="1.0" encoding="utf-8"?>
-<p:properties xmlns:p="http://schemas.microsoft.com/office/2006/metadata/properties" xmlns:xsi="http://www.w3.org/2001/XMLSchema-instance" xmlns:pc="http://schemas.microsoft.com/office/infopath/2007/PartnerControls">
-  <documentManagement>
-    <LocPublishedLinkedAssetsLookup xmlns="4873beb7-5857-4685-be1f-d57550cc96cc" xsi:nil="true"/>
-    <ApprovalStatus xmlns="4873beb7-5857-4685-be1f-d57550cc96cc">InProgress</ApprovalStatus>
-    <MarketSpecific xmlns="4873beb7-5857-4685-be1f-d57550cc96cc">false</MarketSpecific>
-    <LocComments xmlns="4873beb7-5857-4685-be1f-d57550cc96cc" xsi:nil="true"/>
-    <LocLastLocAttemptVersionTypeLookup xmlns="4873beb7-5857-4685-be1f-d57550cc96cc" xsi:nil="true"/>
-    <DirectSourceMarket xmlns="4873beb7-5857-4685-be1f-d57550cc96cc" xsi:nil="true"/>
-    <ThumbnailAssetId xmlns="4873beb7-5857-4685-be1f-d57550cc96cc" xsi:nil="true"/>
-    <PrimaryImageGen xmlns="4873beb7-5857-4685-be1f-d57550cc96cc">false</PrimaryImageGen>
-    <LocNewPublishedVersionLookup xmlns="4873beb7-5857-4685-be1f-d57550cc96cc" xsi:nil="true"/>
-    <LegacyData xmlns="4873beb7-5857-4685-be1f-d57550cc96cc" xsi:nil="true"/>
-    <LocRecommendedHandoff xmlns="4873beb7-5857-4685-be1f-d57550cc96cc" xsi:nil="true"/>
-    <BusinessGroup xmlns="4873beb7-5857-4685-be1f-d57550cc96cc" xsi:nil="true"/>
-    <BlockPublish xmlns="4873beb7-5857-4685-be1f-d57550cc96cc">false</BlockPublish>
-    <TPFriendlyName xmlns="4873beb7-5857-4685-be1f-d57550cc96cc" xsi:nil="true"/>
-    <LocOverallPublishStatusLookup xmlns="4873beb7-5857-4685-be1f-d57550cc96cc" xsi:nil="true"/>
-    <NumericId xmlns="4873beb7-5857-4685-be1f-d57550cc96cc" xsi:nil="true"/>
-    <APEditor xmlns="4873beb7-5857-4685-be1f-d57550cc96cc">
-      <UserInfo>
-        <DisplayName/>
-        <AccountId xsi:nil="true"/>
-        <AccountType/>
-      </UserInfo>
-    </APEditor>
-    <SourceTitle xmlns="4873beb7-5857-4685-be1f-d57550cc96cc" xsi:nil="true"/>
-    <OpenTemplate xmlns="4873beb7-5857-4685-be1f-d57550cc96cc">true</OpenTemplate>
-    <LocOverallLocStatusLookup xmlns="4873beb7-5857-4685-be1f-d57550cc96cc" xsi:nil="true"/>
-    <UALocComments xmlns="4873beb7-5857-4685-be1f-d57550cc96cc" xsi:nil="true"/>
-    <ParentAssetId xmlns="4873beb7-5857-4685-be1f-d57550cc96cc" xsi:nil="true"/>
-    <IntlLangReviewDate xmlns="4873beb7-5857-4685-be1f-d57550cc96cc" xsi:nil="true"/>
-    <FeatureTagsTaxHTField0 xmlns="4873beb7-5857-4685-be1f-d57550cc96cc">
-      <Terms xmlns="http://schemas.microsoft.com/office/infopath/2007/PartnerControls"/>
-    </FeatureTagsTaxHTField0>
-    <PublishStatusLookup xmlns="4873beb7-5857-4685-be1f-d57550cc96cc">
-      <Value>1345093</Value>
-    </PublishStatusLookup>
-    <Providers xmlns="4873beb7-5857-4685-be1f-d57550cc96cc" xsi:nil="true"/>
-    <MachineTranslated xmlns="4873beb7-5857-4685-be1f-d57550cc96cc">false</MachineTranslated>
-    <OriginalSourceMarket xmlns="4873beb7-5857-4685-be1f-d57550cc96cc" xsi:nil="true"/>
-    <APDescription xmlns="4873beb7-5857-4685-be1f-d57550cc96cc">This simple template design works for technology and  businesses, but it's versatile enough to use in other contexts.  It features multiple slide layouts designed for widescreen (16x9 resolution) and includes a sample SmartArt list and chart that are easily editable.</APDescription>
-    <ClipArtFilename xmlns="4873beb7-5857-4685-be1f-d57550cc96cc" xsi:nil="true"/>
-    <ContentItem xmlns="4873beb7-5857-4685-be1f-d57550cc96cc" xsi:nil="true"/>
-    <TPInstallLocation xmlns="4873beb7-5857-4685-be1f-d57550cc96cc" xsi:nil="true"/>
-    <PublishTargets xmlns="4873beb7-5857-4685-be1f-d57550cc96cc">OfficeOnlineVNext</PublishTargets>
-    <TimesCloned xmlns="4873beb7-5857-4685-be1f-d57550cc96cc" xsi:nil="true"/>
-    <AssetStart xmlns="4873beb7-5857-4685-be1f-d57550cc96cc">2011-11-26T00:30:00+00:00</AssetStart>
-    <Provider xmlns="4873beb7-5857-4685-be1f-d57550cc96cc" xsi:nil="true"/>
-    <AcquiredFrom xmlns="4873beb7-5857-4685-be1f-d57550cc96cc">Internal MS</AcquiredFrom>
-    <FriendlyTitle xmlns="4873beb7-5857-4685-be1f-d57550cc96cc" xsi:nil="true"/>
-    <LastHandOff xmlns="4873beb7-5857-4685-be1f-d57550cc96cc" xsi:nil="true"/>
-    <TPClientViewer xmlns="4873beb7-5857-4685-be1f-d57550cc96cc" xsi:nil="true"/>
-    <TemplateStatus xmlns="4873beb7-5857-4685-be1f-d57550cc96cc">Complete</TemplateStatus>
-    <Downloads xmlns="4873beb7-5857-4685-be1f-d57550cc96cc">0</Downloads>
-    <OOCacheId xmlns="4873beb7-5857-4685-be1f-d57550cc96cc" xsi:nil="true"/>
-    <IsDeleted xmlns="4873beb7-5857-4685-be1f-d57550cc96cc">false</IsDeleted>
-    <LocPublishedDependentAssetsLookup xmlns="4873beb7-5857-4685-be1f-d57550cc96cc" xsi:nil="true"/>
-    <TPExecutable xmlns="4873beb7-5857-4685-be1f-d57550cc96cc" xsi:nil="true"/>
-    <EditorialTags xmlns="4873beb7-5857-4685-be1f-d57550cc96cc" xsi:nil="true"/>
-    <SubmitterId xmlns="4873beb7-5857-4685-be1f-d57550cc96cc" xsi:nil="true"/>
-    <ApprovalLog xmlns="4873beb7-5857-4685-be1f-d57550cc96cc" xsi:nil="true"/>
-    <AssetType xmlns="4873beb7-5857-4685-be1f-d57550cc96cc">TP</AssetType>
-    <BugNumber xmlns="4873beb7-5857-4685-be1f-d57550cc96cc" xsi:nil="true"/>
-    <CSXSubmissionDate xmlns="4873beb7-5857-4685-be1f-d57550cc96cc" xsi:nil="true"/>
-    <CSXUpdate xmlns="4873beb7-5857-4685-be1f-d57550cc96cc">false</CSXUpdate>
-    <Milestone xmlns="4873beb7-5857-4685-be1f-d57550cc96cc" xsi:nil="true"/>
-    <RecommendationsModifier xmlns="4873beb7-5857-4685-be1f-d57550cc96cc" xsi:nil="true"/>
-    <OriginAsset xmlns="4873beb7-5857-4685-be1f-d57550cc96cc" xsi:nil="true"/>
-    <TPComponent xmlns="4873beb7-5857-4685-be1f-d57550cc96cc" xsi:nil="true"/>
-    <AssetId xmlns="4873beb7-5857-4685-be1f-d57550cc96cc">TP102787989</AssetId>
-    <IntlLocPriority xmlns="4873beb7-5857-4685-be1f-d57550cc96cc" xsi:nil="true"/>
-    <PolicheckWords xmlns="4873beb7-5857-4685-be1f-d57550cc96cc" xsi:nil="true"/>
-    <TPLaunchHelpLink xmlns="4873beb7-5857-4685-be1f-d57550cc96cc" xsi:nil="true"/>
-    <TPApplication xmlns="4873beb7-5857-4685-be1f-d57550cc96cc" xsi:nil="true"/>
-    <CrawlForDependencies xmlns="4873beb7-5857-4685-be1f-d57550cc96cc">false</CrawlForDependencies>
-    <HandoffToMSDN xmlns="4873beb7-5857-4685-be1f-d57550cc96cc" xsi:nil="true"/>
-    <PlannedPubDate xmlns="4873beb7-5857-4685-be1f-d57550cc96cc" xsi:nil="true"/>
-    <IntlLangReviewer xmlns="4873beb7-5857-4685-be1f-d57550cc96cc" xsi:nil="true"/>
-    <TrustLevel xmlns="4873beb7-5857-4685-be1f-d57550cc96cc">1 Microsoft Managed Content</TrustLevel>
-    <LocLastLocAttemptVersionLookup xmlns="4873beb7-5857-4685-be1f-d57550cc96cc">694266</LocLastLocAttemptVersionLookup>
-    <LocProcessedForHandoffsLookup xmlns="4873beb7-5857-4685-be1f-d57550cc96cc" xsi:nil="true"/>
-    <IsSearchable xmlns="4873beb7-5857-4685-be1f-d57550cc96cc">true</IsSearchable>
-    <TemplateTemplateType xmlns="4873beb7-5857-4685-be1f-d57550cc96cc">PowerPoint Presentation Template</TemplateTemplateType>
-    <CampaignTagsTaxHTField0 xmlns="4873beb7-5857-4685-be1f-d57550cc96cc">
-      <Terms xmlns="http://schemas.microsoft.com/office/infopath/2007/PartnerControls"/>
-    </CampaignTagsTaxHTField0>
-    <TPNamespace xmlns="4873beb7-5857-4685-be1f-d57550cc96cc" xsi:nil="true"/>
-    <LocOverallPreviewStatusLookup xmlns="4873beb7-5857-4685-be1f-d57550cc96cc" xsi:nil="true"/>
-    <TaxCatchAll xmlns="4873beb7-5857-4685-be1f-d57550cc96cc"/>
-    <Markets xmlns="4873beb7-5857-4685-be1f-d57550cc96cc"/>
-    <UAProjectedTotalWords xmlns="4873beb7-5857-4685-be1f-d57550cc96cc" xsi:nil="true"/>
-    <IntlLangReview xmlns="4873beb7-5857-4685-be1f-d57550cc96cc" xsi:nil="true"/>
-    <OutputCachingOn xmlns="4873beb7-5857-4685-be1f-d57550cc96cc">false</OutputCachingOn>
-    <AverageRating xmlns="4873beb7-5857-4685-be1f-d57550cc96cc" xsi:nil="true"/>
-    <APAuthor xmlns="4873beb7-5857-4685-be1f-d57550cc96cc">
-      <UserInfo>
-        <DisplayName>REDMOND\kristaa</DisplayName>
-        <AccountId>136</AccountId>
-        <AccountType/>
-      </UserInfo>
-    </APAuthor>
-    <LocManualTestRequired xmlns="4873beb7-5857-4685-be1f-d57550cc96cc">false</LocManualTestRequired>
-    <TPCommandLine xmlns="4873beb7-5857-4685-be1f-d57550cc96cc" xsi:nil="true"/>
-    <TPAppVersion xmlns="4873beb7-5857-4685-be1f-d57550cc96cc" xsi:nil="true"/>
-    <EditorialStatus xmlns="4873beb7-5857-4685-be1f-d57550cc96cc">Complete</EditorialStatus>
-    <LastModifiedDateTime xmlns="4873beb7-5857-4685-be1f-d57550cc96cc" xsi:nil="true"/>
-    <ScenarioTagsTaxHTField0 xmlns="4873beb7-5857-4685-be1f-d57550cc96cc">
-      <Terms xmlns="http://schemas.microsoft.com/office/infopath/2007/PartnerControls"/>
-    </ScenarioTagsTaxHTField0>
-    <LocProcessedForMarketsLookup xmlns="4873beb7-5857-4685-be1f-d57550cc96cc" xsi:nil="true"/>
-    <TPLaunchHelpLinkType xmlns="4873beb7-5857-4685-be1f-d57550cc96cc">Template</TPLaunchHelpLinkType>
-    <OriginalRelease xmlns="4873beb7-5857-4685-be1f-d57550cc96cc">15</OriginalRelease>
-    <LocalizationTagsTaxHTField0 xmlns="4873beb7-5857-4685-be1f-d57550cc96cc">
-      <Terms xmlns="http://schemas.microsoft.com/office/infopath/2007/PartnerControls"/>
-    </LocalizationTagsTaxHTField0>
-    <UACurrentWords xmlns="4873beb7-5857-4685-be1f-d57550cc96cc" xsi:nil="true"/>
-    <ArtSampleDocs xmlns="4873beb7-5857-4685-be1f-d57550cc96cc" xsi:nil="true"/>
-    <UALocRecommendation xmlns="4873beb7-5857-4685-be1f-d57550cc96cc">Localize</UALocRecommendation>
-    <Manager xmlns="4873beb7-5857-4685-be1f-d57550cc96cc" xsi:nil="true"/>
-    <LocOverallHandbackStatusLookup xmlns="4873beb7-5857-4685-be1f-d57550cc96cc" xsi:nil="true"/>
-    <ShowIn xmlns="4873beb7-5857-4685-be1f-d57550cc96cc">Show everywhere</ShowIn>
-    <UANotes xmlns="4873beb7-5857-4685-be1f-d57550cc96cc" xsi:nil="true"/>
-    <InternalTagsTaxHTField0 xmlns="4873beb7-5857-4685-be1f-d57550cc96cc">
-      <Terms xmlns="http://schemas.microsoft.com/office/infopath/2007/PartnerControls"/>
-    </InternalTagsTaxHTField0>
-    <CSXHash xmlns="4873beb7-5857-4685-be1f-d57550cc96cc" xsi:nil="true"/>
-    <VoteCount xmlns="4873beb7-5857-4685-be1f-d57550cc96cc" xsi:nil="true"/>
-    <AssetExpire xmlns="4873beb7-5857-4685-be1f-d57550cc96cc">2029-05-12T07:00:00+00:00</AssetExpire>
-    <DSATActionTaken xmlns="4873beb7-5857-4685-be1f-d57550cc96cc" xsi:nil="true"/>
-    <CSXSubmissionMarket xmlns="4873beb7-5857-4685-be1f-d57550cc96cc" xsi:nil="true"/>
-    <LocMarketGroupTiers2 xmlns="4873beb7-5857-4685-be1f-d57550cc96cc" xsi:nil="true"/>
-  </documentManagement>
-</p:properties>
-</file>
-
-<file path=customXml/item2.xml><?xml version="1.0" encoding="utf-8"?>
 <ct:contentTypeSchema xmlns:ct="http://schemas.microsoft.com/office/2006/metadata/contentType" xmlns:ma="http://schemas.microsoft.com/office/2006/metadata/properties/metaAttributes" ct:_="" ma:_="" ma:contentTypeName="TemplateFile" ma:contentTypeID="0x0101006EDDDB5EE6D98C44930B742096920B300400F5B6D36B3EF94B4E9A635CDF2A18F5B8" ma:contentTypeVersion="72" ma:contentTypeDescription="Create a new document." ma:contentTypeScope="" ma:versionID="a23e56308344d904b51738559c3d67c9">
   <xsd:schema xmlns:xsd="http://www.w3.org/2001/XMLSchema" xmlns:xs="http://www.w3.org/2001/XMLSchema" xmlns:p="http://schemas.microsoft.com/office/2006/metadata/properties" xmlns:ns2="4873beb7-5857-4685-be1f-d57550cc96cc" targetNamespace="http://schemas.microsoft.com/office/2006/metadata/properties" ma:root="true" ma:fieldsID="cd0908cc4600e77bf5da051303e00c8d" ns2:_="">
     <xsd:import namespace="4873beb7-5857-4685-be1f-d57550cc96cc"/>
@@ -12208,6 +12212,142 @@
 </ct:contentTypeSchema>
 </file>
 
+<file path=customXml/item2.xml><?xml version="1.0" encoding="utf-8"?>
+<p:properties xmlns:p="http://schemas.microsoft.com/office/2006/metadata/properties" xmlns:xsi="http://www.w3.org/2001/XMLSchema-instance" xmlns:pc="http://schemas.microsoft.com/office/infopath/2007/PartnerControls">
+  <documentManagement>
+    <LocPublishedLinkedAssetsLookup xmlns="4873beb7-5857-4685-be1f-d57550cc96cc" xsi:nil="true"/>
+    <ApprovalStatus xmlns="4873beb7-5857-4685-be1f-d57550cc96cc">InProgress</ApprovalStatus>
+    <MarketSpecific xmlns="4873beb7-5857-4685-be1f-d57550cc96cc">false</MarketSpecific>
+    <LocComments xmlns="4873beb7-5857-4685-be1f-d57550cc96cc" xsi:nil="true"/>
+    <LocLastLocAttemptVersionTypeLookup xmlns="4873beb7-5857-4685-be1f-d57550cc96cc" xsi:nil="true"/>
+    <DirectSourceMarket xmlns="4873beb7-5857-4685-be1f-d57550cc96cc" xsi:nil="true"/>
+    <ThumbnailAssetId xmlns="4873beb7-5857-4685-be1f-d57550cc96cc" xsi:nil="true"/>
+    <PrimaryImageGen xmlns="4873beb7-5857-4685-be1f-d57550cc96cc">false</PrimaryImageGen>
+    <LocNewPublishedVersionLookup xmlns="4873beb7-5857-4685-be1f-d57550cc96cc" xsi:nil="true"/>
+    <LegacyData xmlns="4873beb7-5857-4685-be1f-d57550cc96cc" xsi:nil="true"/>
+    <LocRecommendedHandoff xmlns="4873beb7-5857-4685-be1f-d57550cc96cc" xsi:nil="true"/>
+    <BusinessGroup xmlns="4873beb7-5857-4685-be1f-d57550cc96cc" xsi:nil="true"/>
+    <BlockPublish xmlns="4873beb7-5857-4685-be1f-d57550cc96cc">false</BlockPublish>
+    <TPFriendlyName xmlns="4873beb7-5857-4685-be1f-d57550cc96cc" xsi:nil="true"/>
+    <LocOverallPublishStatusLookup xmlns="4873beb7-5857-4685-be1f-d57550cc96cc" xsi:nil="true"/>
+    <NumericId xmlns="4873beb7-5857-4685-be1f-d57550cc96cc" xsi:nil="true"/>
+    <APEditor xmlns="4873beb7-5857-4685-be1f-d57550cc96cc">
+      <UserInfo>
+        <DisplayName/>
+        <AccountId xsi:nil="true"/>
+        <AccountType/>
+      </UserInfo>
+    </APEditor>
+    <SourceTitle xmlns="4873beb7-5857-4685-be1f-d57550cc96cc" xsi:nil="true"/>
+    <OpenTemplate xmlns="4873beb7-5857-4685-be1f-d57550cc96cc">true</OpenTemplate>
+    <LocOverallLocStatusLookup xmlns="4873beb7-5857-4685-be1f-d57550cc96cc" xsi:nil="true"/>
+    <UALocComments xmlns="4873beb7-5857-4685-be1f-d57550cc96cc" xsi:nil="true"/>
+    <ParentAssetId xmlns="4873beb7-5857-4685-be1f-d57550cc96cc" xsi:nil="true"/>
+    <IntlLangReviewDate xmlns="4873beb7-5857-4685-be1f-d57550cc96cc" xsi:nil="true"/>
+    <FeatureTagsTaxHTField0 xmlns="4873beb7-5857-4685-be1f-d57550cc96cc">
+      <Terms xmlns="http://schemas.microsoft.com/office/infopath/2007/PartnerControls"/>
+    </FeatureTagsTaxHTField0>
+    <PublishStatusLookup xmlns="4873beb7-5857-4685-be1f-d57550cc96cc">
+      <Value>1345093</Value>
+    </PublishStatusLookup>
+    <Providers xmlns="4873beb7-5857-4685-be1f-d57550cc96cc" xsi:nil="true"/>
+    <MachineTranslated xmlns="4873beb7-5857-4685-be1f-d57550cc96cc">false</MachineTranslated>
+    <OriginalSourceMarket xmlns="4873beb7-5857-4685-be1f-d57550cc96cc" xsi:nil="true"/>
+    <APDescription xmlns="4873beb7-5857-4685-be1f-d57550cc96cc">This simple template design works for technology and  businesses, but it's versatile enough to use in other contexts.  It features multiple slide layouts designed for widescreen (16x9 resolution) and includes a sample SmartArt list and chart that are easily editable.</APDescription>
+    <ClipArtFilename xmlns="4873beb7-5857-4685-be1f-d57550cc96cc" xsi:nil="true"/>
+    <ContentItem xmlns="4873beb7-5857-4685-be1f-d57550cc96cc" xsi:nil="true"/>
+    <TPInstallLocation xmlns="4873beb7-5857-4685-be1f-d57550cc96cc" xsi:nil="true"/>
+    <PublishTargets xmlns="4873beb7-5857-4685-be1f-d57550cc96cc">OfficeOnlineVNext</PublishTargets>
+    <TimesCloned xmlns="4873beb7-5857-4685-be1f-d57550cc96cc" xsi:nil="true"/>
+    <AssetStart xmlns="4873beb7-5857-4685-be1f-d57550cc96cc">2011-11-26T00:30:00+00:00</AssetStart>
+    <Provider xmlns="4873beb7-5857-4685-be1f-d57550cc96cc" xsi:nil="true"/>
+    <AcquiredFrom xmlns="4873beb7-5857-4685-be1f-d57550cc96cc">Internal MS</AcquiredFrom>
+    <FriendlyTitle xmlns="4873beb7-5857-4685-be1f-d57550cc96cc" xsi:nil="true"/>
+    <LastHandOff xmlns="4873beb7-5857-4685-be1f-d57550cc96cc" xsi:nil="true"/>
+    <TPClientViewer xmlns="4873beb7-5857-4685-be1f-d57550cc96cc" xsi:nil="true"/>
+    <TemplateStatus xmlns="4873beb7-5857-4685-be1f-d57550cc96cc">Complete</TemplateStatus>
+    <Downloads xmlns="4873beb7-5857-4685-be1f-d57550cc96cc">0</Downloads>
+    <OOCacheId xmlns="4873beb7-5857-4685-be1f-d57550cc96cc" xsi:nil="true"/>
+    <IsDeleted xmlns="4873beb7-5857-4685-be1f-d57550cc96cc">false</IsDeleted>
+    <LocPublishedDependentAssetsLookup xmlns="4873beb7-5857-4685-be1f-d57550cc96cc" xsi:nil="true"/>
+    <TPExecutable xmlns="4873beb7-5857-4685-be1f-d57550cc96cc" xsi:nil="true"/>
+    <EditorialTags xmlns="4873beb7-5857-4685-be1f-d57550cc96cc" xsi:nil="true"/>
+    <SubmitterId xmlns="4873beb7-5857-4685-be1f-d57550cc96cc" xsi:nil="true"/>
+    <ApprovalLog xmlns="4873beb7-5857-4685-be1f-d57550cc96cc" xsi:nil="true"/>
+    <AssetType xmlns="4873beb7-5857-4685-be1f-d57550cc96cc">TP</AssetType>
+    <BugNumber xmlns="4873beb7-5857-4685-be1f-d57550cc96cc" xsi:nil="true"/>
+    <CSXSubmissionDate xmlns="4873beb7-5857-4685-be1f-d57550cc96cc" xsi:nil="true"/>
+    <CSXUpdate xmlns="4873beb7-5857-4685-be1f-d57550cc96cc">false</CSXUpdate>
+    <Milestone xmlns="4873beb7-5857-4685-be1f-d57550cc96cc" xsi:nil="true"/>
+    <RecommendationsModifier xmlns="4873beb7-5857-4685-be1f-d57550cc96cc" xsi:nil="true"/>
+    <OriginAsset xmlns="4873beb7-5857-4685-be1f-d57550cc96cc" xsi:nil="true"/>
+    <TPComponent xmlns="4873beb7-5857-4685-be1f-d57550cc96cc" xsi:nil="true"/>
+    <AssetId xmlns="4873beb7-5857-4685-be1f-d57550cc96cc">TP102787989</AssetId>
+    <IntlLocPriority xmlns="4873beb7-5857-4685-be1f-d57550cc96cc" xsi:nil="true"/>
+    <PolicheckWords xmlns="4873beb7-5857-4685-be1f-d57550cc96cc" xsi:nil="true"/>
+    <TPLaunchHelpLink xmlns="4873beb7-5857-4685-be1f-d57550cc96cc" xsi:nil="true"/>
+    <TPApplication xmlns="4873beb7-5857-4685-be1f-d57550cc96cc" xsi:nil="true"/>
+    <CrawlForDependencies xmlns="4873beb7-5857-4685-be1f-d57550cc96cc">false</CrawlForDependencies>
+    <HandoffToMSDN xmlns="4873beb7-5857-4685-be1f-d57550cc96cc" xsi:nil="true"/>
+    <PlannedPubDate xmlns="4873beb7-5857-4685-be1f-d57550cc96cc" xsi:nil="true"/>
+    <IntlLangReviewer xmlns="4873beb7-5857-4685-be1f-d57550cc96cc" xsi:nil="true"/>
+    <TrustLevel xmlns="4873beb7-5857-4685-be1f-d57550cc96cc">1 Microsoft Managed Content</TrustLevel>
+    <LocLastLocAttemptVersionLookup xmlns="4873beb7-5857-4685-be1f-d57550cc96cc">694266</LocLastLocAttemptVersionLookup>
+    <LocProcessedForHandoffsLookup xmlns="4873beb7-5857-4685-be1f-d57550cc96cc" xsi:nil="true"/>
+    <IsSearchable xmlns="4873beb7-5857-4685-be1f-d57550cc96cc">true</IsSearchable>
+    <TemplateTemplateType xmlns="4873beb7-5857-4685-be1f-d57550cc96cc">PowerPoint Presentation Template</TemplateTemplateType>
+    <CampaignTagsTaxHTField0 xmlns="4873beb7-5857-4685-be1f-d57550cc96cc">
+      <Terms xmlns="http://schemas.microsoft.com/office/infopath/2007/PartnerControls"/>
+    </CampaignTagsTaxHTField0>
+    <TPNamespace xmlns="4873beb7-5857-4685-be1f-d57550cc96cc" xsi:nil="true"/>
+    <LocOverallPreviewStatusLookup xmlns="4873beb7-5857-4685-be1f-d57550cc96cc" xsi:nil="true"/>
+    <TaxCatchAll xmlns="4873beb7-5857-4685-be1f-d57550cc96cc"/>
+    <Markets xmlns="4873beb7-5857-4685-be1f-d57550cc96cc"/>
+    <UAProjectedTotalWords xmlns="4873beb7-5857-4685-be1f-d57550cc96cc" xsi:nil="true"/>
+    <IntlLangReview xmlns="4873beb7-5857-4685-be1f-d57550cc96cc" xsi:nil="true"/>
+    <OutputCachingOn xmlns="4873beb7-5857-4685-be1f-d57550cc96cc">false</OutputCachingOn>
+    <AverageRating xmlns="4873beb7-5857-4685-be1f-d57550cc96cc" xsi:nil="true"/>
+    <APAuthor xmlns="4873beb7-5857-4685-be1f-d57550cc96cc">
+      <UserInfo>
+        <DisplayName>REDMOND\kristaa</DisplayName>
+        <AccountId>136</AccountId>
+        <AccountType/>
+      </UserInfo>
+    </APAuthor>
+    <LocManualTestRequired xmlns="4873beb7-5857-4685-be1f-d57550cc96cc">false</LocManualTestRequired>
+    <TPCommandLine xmlns="4873beb7-5857-4685-be1f-d57550cc96cc" xsi:nil="true"/>
+    <TPAppVersion xmlns="4873beb7-5857-4685-be1f-d57550cc96cc" xsi:nil="true"/>
+    <EditorialStatus xmlns="4873beb7-5857-4685-be1f-d57550cc96cc">Complete</EditorialStatus>
+    <LastModifiedDateTime xmlns="4873beb7-5857-4685-be1f-d57550cc96cc" xsi:nil="true"/>
+    <ScenarioTagsTaxHTField0 xmlns="4873beb7-5857-4685-be1f-d57550cc96cc">
+      <Terms xmlns="http://schemas.microsoft.com/office/infopath/2007/PartnerControls"/>
+    </ScenarioTagsTaxHTField0>
+    <LocProcessedForMarketsLookup xmlns="4873beb7-5857-4685-be1f-d57550cc96cc" xsi:nil="true"/>
+    <TPLaunchHelpLinkType xmlns="4873beb7-5857-4685-be1f-d57550cc96cc">Template</TPLaunchHelpLinkType>
+    <OriginalRelease xmlns="4873beb7-5857-4685-be1f-d57550cc96cc">15</OriginalRelease>
+    <LocalizationTagsTaxHTField0 xmlns="4873beb7-5857-4685-be1f-d57550cc96cc">
+      <Terms xmlns="http://schemas.microsoft.com/office/infopath/2007/PartnerControls"/>
+    </LocalizationTagsTaxHTField0>
+    <UACurrentWords xmlns="4873beb7-5857-4685-be1f-d57550cc96cc" xsi:nil="true"/>
+    <ArtSampleDocs xmlns="4873beb7-5857-4685-be1f-d57550cc96cc" xsi:nil="true"/>
+    <UALocRecommendation xmlns="4873beb7-5857-4685-be1f-d57550cc96cc">Localize</UALocRecommendation>
+    <Manager xmlns="4873beb7-5857-4685-be1f-d57550cc96cc" xsi:nil="true"/>
+    <LocOverallHandbackStatusLookup xmlns="4873beb7-5857-4685-be1f-d57550cc96cc" xsi:nil="true"/>
+    <ShowIn xmlns="4873beb7-5857-4685-be1f-d57550cc96cc">Show everywhere</ShowIn>
+    <UANotes xmlns="4873beb7-5857-4685-be1f-d57550cc96cc" xsi:nil="true"/>
+    <InternalTagsTaxHTField0 xmlns="4873beb7-5857-4685-be1f-d57550cc96cc">
+      <Terms xmlns="http://schemas.microsoft.com/office/infopath/2007/PartnerControls"/>
+    </InternalTagsTaxHTField0>
+    <CSXHash xmlns="4873beb7-5857-4685-be1f-d57550cc96cc" xsi:nil="true"/>
+    <VoteCount xmlns="4873beb7-5857-4685-be1f-d57550cc96cc" xsi:nil="true"/>
+    <AssetExpire xmlns="4873beb7-5857-4685-be1f-d57550cc96cc">2029-05-12T07:00:00+00:00</AssetExpire>
+    <DSATActionTaken xmlns="4873beb7-5857-4685-be1f-d57550cc96cc" xsi:nil="true"/>
+    <CSXSubmissionMarket xmlns="4873beb7-5857-4685-be1f-d57550cc96cc" xsi:nil="true"/>
+    <LocMarketGroupTiers2 xmlns="4873beb7-5857-4685-be1f-d57550cc96cc" xsi:nil="true"/>
+  </documentManagement>
+</p:properties>
+</file>
+
 <file path=customXml/item3.xml><?xml version="1.0" encoding="utf-8"?>
 <?mso-contentType ?>
 <FormTemplates xmlns="http://schemas.microsoft.com/sharepoint/v3/contenttype/forms">
@@ -12218,22 +12358,6 @@
 </file>
 
 <file path=customXml/itemProps1.xml><?xml version="1.0" encoding="utf-8"?>
-<ds:datastoreItem xmlns:ds="http://schemas.openxmlformats.org/officeDocument/2006/customXml" ds:itemID="{60C67BEE-D13F-4BD2-98A5-34D8A0977F68}">
-  <ds:schemaRefs>
-    <ds:schemaRef ds:uri="4873beb7-5857-4685-be1f-d57550cc96cc"/>
-    <ds:schemaRef ds:uri="http://schemas.openxmlformats.org/package/2006/metadata/core-properties"/>
-    <ds:schemaRef ds:uri="http://purl.org/dc/terms/"/>
-    <ds:schemaRef ds:uri="http://schemas.microsoft.com/office/2006/documentManagement/types"/>
-    <ds:schemaRef ds:uri="http://purl.org/dc/elements/1.1/"/>
-    <ds:schemaRef ds:uri="http://schemas.microsoft.com/office/2006/metadata/properties"/>
-    <ds:schemaRef ds:uri="http://schemas.microsoft.com/office/infopath/2007/PartnerControls"/>
-    <ds:schemaRef ds:uri="http://www.w3.org/XML/1998/namespace"/>
-    <ds:schemaRef ds:uri="http://purl.org/dc/dcmitype/"/>
-  </ds:schemaRefs>
-</ds:datastoreItem>
-</file>
-
-<file path=customXml/itemProps2.xml><?xml version="1.0" encoding="utf-8"?>
 <ds:datastoreItem xmlns:ds="http://schemas.openxmlformats.org/officeDocument/2006/customXml" ds:itemID="{A09BF4D4-EF60-4196-BFC3-9462D607978C}">
   <ds:schemaRefs>
     <ds:schemaRef ds:uri="http://schemas.microsoft.com/office/2006/metadata/contentType"/>
@@ -12251,6 +12375,22 @@
 </ds:datastoreItem>
 </file>
 
+<file path=customXml/itemProps2.xml><?xml version="1.0" encoding="utf-8"?>
+<ds:datastoreItem xmlns:ds="http://schemas.openxmlformats.org/officeDocument/2006/customXml" ds:itemID="{60C67BEE-D13F-4BD2-98A5-34D8A0977F68}">
+  <ds:schemaRefs>
+    <ds:schemaRef ds:uri="4873beb7-5857-4685-be1f-d57550cc96cc"/>
+    <ds:schemaRef ds:uri="http://schemas.openxmlformats.org/package/2006/metadata/core-properties"/>
+    <ds:schemaRef ds:uri="http://purl.org/dc/terms/"/>
+    <ds:schemaRef ds:uri="http://schemas.microsoft.com/office/2006/documentManagement/types"/>
+    <ds:schemaRef ds:uri="http://purl.org/dc/elements/1.1/"/>
+    <ds:schemaRef ds:uri="http://schemas.microsoft.com/office/2006/metadata/properties"/>
+    <ds:schemaRef ds:uri="http://schemas.microsoft.com/office/infopath/2007/PartnerControls"/>
+    <ds:schemaRef ds:uri="http://www.w3.org/XML/1998/namespace"/>
+    <ds:schemaRef ds:uri="http://purl.org/dc/dcmitype/"/>
+  </ds:schemaRefs>
+</ds:datastoreItem>
+</file>
+
 <file path=customXml/itemProps3.xml><?xml version="1.0" encoding="utf-8"?>
 <ds:datastoreItem xmlns:ds="http://schemas.openxmlformats.org/officeDocument/2006/customXml" ds:itemID="{3836F65B-1B07-41EE-A0E8-BC6EF3855225}">
   <ds:schemaRefs>
